--- a/Presentation for Digtal Media ProductionCWK2.pptx
+++ b/Presentation for Digtal Media ProductionCWK2.pptx
@@ -4291,6 +4291,30 @@
               <a:t>Improvements that could have been made to the Digital Artefact.</a:t>
             </a:r>
           </a:p>
+          <a:p>
+            <a:r>
+              <a:rPr lang="en-GB" dirty="0"/>
+              <a:t>- Refine controls/gameplay,</a:t>
+            </a:r>
+          </a:p>
+          <a:p>
+            <a:r>
+              <a:rPr lang="en-GB" dirty="0"/>
+              <a:t>- Try fix minor bugs,</a:t>
+            </a:r>
+          </a:p>
+          <a:p>
+            <a:r>
+              <a:rPr lang="en-GB" dirty="0"/>
+              <a:t>- Implement AI, and finally</a:t>
+            </a:r>
+          </a:p>
+          <a:p>
+            <a:r>
+              <a:rPr lang="en-GB" dirty="0"/>
+              <a:t>- More bikes.</a:t>
+            </a:r>
+          </a:p>
         </p:txBody>
       </p:sp>
     </p:spTree>
@@ -5546,12 +5570,18 @@
             </a:r>
           </a:p>
           <a:p>
+            <a:r>
+              <a:rPr lang="en-GB" dirty="0"/>
+              <a:t>- Core Mechanics</a:t>
+            </a:r>
+          </a:p>
+          <a:p>
             <a:endParaRPr lang="en-GB" dirty="0"/>
           </a:p>
           <a:p>
             <a:r>
               <a:rPr lang="en-GB" dirty="0"/>
-              <a:t>Working Demo</a:t>
+              <a:t>Demo Time</a:t>
             </a:r>
           </a:p>
         </p:txBody>
@@ -5596,7 +5626,12 @@
             <p:ph type="title"/>
           </p:nvPr>
         </p:nvSpPr>
-        <p:spPr/>
+        <p:spPr>
+          <a:xfrm>
+            <a:off x="1097280" y="286603"/>
+            <a:ext cx="10058400" cy="1450757"/>
+          </a:xfrm>
+        </p:spPr>
         <p:txBody>
           <a:bodyPr/>
           <a:lstStyle/>
@@ -5625,31 +5660,78 @@
           <a:p>
             <a:r>
               <a:rPr lang="en-GB" dirty="0"/>
-              <a:t>QA</a:t>
-            </a:r>
-          </a:p>
-          <a:p>
-            <a:r>
-              <a:rPr lang="en-GB" dirty="0"/>
               <a:t>White Box-Testing</a:t>
             </a:r>
           </a:p>
           <a:p>
-            <a:r>
-              <a:rPr lang="en-GB" dirty="0"/>
-              <a:t>User </a:t>
-            </a:r>
-            <a:r>
-              <a:rPr lang="en-GB" dirty="0" err="1"/>
-              <a:t>Evaulation</a:t>
-            </a:r>
-            <a:r>
-              <a:rPr lang="en-GB" dirty="0"/>
-              <a:t> Results</a:t>
-            </a:r>
-          </a:p>
-        </p:txBody>
-      </p:sp>
+            <a:endParaRPr lang="en-GB" dirty="0"/>
+          </a:p>
+          <a:p>
+            <a:pPr marL="0" indent="0">
+              <a:buNone/>
+            </a:pPr>
+            <a:endParaRPr lang="en-GB" dirty="0"/>
+          </a:p>
+        </p:txBody>
+      </p:sp>
+      <p:pic>
+        <p:nvPicPr>
+          <p:cNvPr id="4" name="Picture 3">
+            <a:extLst>
+              <a:ext uri="{FF2B5EF4-FFF2-40B4-BE49-F238E27FC236}">
+                <a16:creationId xmlns:a16="http://schemas.microsoft.com/office/drawing/2014/main" id="{D034EF6F-8842-45A9-BC6C-FB21E1BE8144}"/>
+              </a:ext>
+            </a:extLst>
+          </p:cNvPr>
+          <p:cNvPicPr>
+            <a:picLocks noChangeAspect="1"/>
+          </p:cNvPicPr>
+          <p:nvPr/>
+        </p:nvPicPr>
+        <p:blipFill rotWithShape="1">
+          <a:blip r:embed="rId2"/>
+          <a:srcRect b="53231"/>
+          <a:stretch/>
+        </p:blipFill>
+        <p:spPr>
+          <a:xfrm>
+            <a:off x="1036319" y="2330924"/>
+            <a:ext cx="5153635" cy="3398071"/>
+          </a:xfrm>
+          <a:prstGeom prst="rect">
+            <a:avLst/>
+          </a:prstGeom>
+        </p:spPr>
+      </p:pic>
+      <p:pic>
+        <p:nvPicPr>
+          <p:cNvPr id="5" name="Picture 4">
+            <a:extLst>
+              <a:ext uri="{FF2B5EF4-FFF2-40B4-BE49-F238E27FC236}">
+                <a16:creationId xmlns:a16="http://schemas.microsoft.com/office/drawing/2014/main" id="{4179C0EE-0962-479B-B6BA-3ABA946D75BF}"/>
+              </a:ext>
+            </a:extLst>
+          </p:cNvPr>
+          <p:cNvPicPr>
+            <a:picLocks noChangeAspect="1"/>
+          </p:cNvPicPr>
+          <p:nvPr/>
+        </p:nvPicPr>
+        <p:blipFill rotWithShape="1">
+          <a:blip r:embed="rId2"/>
+          <a:srcRect t="46274"/>
+          <a:stretch/>
+        </p:blipFill>
+        <p:spPr>
+          <a:xfrm>
+            <a:off x="6381543" y="2238116"/>
+            <a:ext cx="5153634" cy="3903571"/>
+          </a:xfrm>
+          <a:prstGeom prst="rect">
+            <a:avLst/>
+          </a:prstGeom>
+        </p:spPr>
+      </p:pic>
     </p:spTree>
     <p:extLst>
       <p:ext uri="{BB962C8B-B14F-4D97-AF65-F5344CB8AC3E}">
